--- a/asp.net-and-azure.pptx
+++ b/asp.net-and-azure.pptx
@@ -14,6 +14,7 @@
     <p:sldId id="259" r:id="rId8"/>
     <p:sldId id="260" r:id="rId9"/>
     <p:sldId id="261" r:id="rId10"/>
+    <p:sldId id="265" r:id="rId11"/>
   </p:sldIdLst>
   <p:sldSz cx="12192000" cy="6858000"/>
   <p:notesSz cx="6858000" cy="9144000"/>
@@ -112,6 +113,11 @@
       </a:defRPr>
     </a:lvl9pPr>
   </p:defaultTextStyle>
+  <p:extLst>
+    <p:ext uri="{EFAFB233-063F-42B5-8137-9DF3F51BA10A}">
+      <p15:sldGuideLst xmlns:p15="http://schemas.microsoft.com/office/powerpoint/2012/main"/>
+    </p:ext>
+  </p:extLst>
 </p:presentation>
 </file>
 
@@ -3447,6 +3453,95 @@
 </p:sld>
 </file>
 
+<file path=ppt/slides/slide10.xml><?xml version="1.0" encoding="utf-8"?>
+<p:sld xmlns:a="http://schemas.openxmlformats.org/drawingml/2006/main" xmlns:r="http://schemas.openxmlformats.org/officeDocument/2006/relationships" xmlns:p="http://schemas.openxmlformats.org/presentationml/2006/main">
+  <p:cSld>
+    <p:spTree>
+      <p:nvGrpSpPr>
+        <p:cNvPr id="1" name=""/>
+        <p:cNvGrpSpPr/>
+        <p:nvPr/>
+      </p:nvGrpSpPr>
+      <p:grpSpPr>
+        <a:xfrm>
+          <a:off x="0" y="0"/>
+          <a:ext cx="0" cy="0"/>
+          <a:chOff x="0" y="0"/>
+          <a:chExt cx="0" cy="0"/>
+        </a:xfrm>
+      </p:grpSpPr>
+      <p:sp>
+        <p:nvSpPr>
+          <p:cNvPr id="2" name="Title 1"/>
+          <p:cNvSpPr>
+            <a:spLocks noGrp="1"/>
+          </p:cNvSpPr>
+          <p:nvPr>
+            <p:ph type="title"/>
+          </p:nvPr>
+        </p:nvSpPr>
+        <p:spPr/>
+        <p:txBody>
+          <a:bodyPr>
+            <a:normAutofit fontScale="90000"/>
+          </a:bodyPr>
+          <a:lstStyle/>
+          <a:p>
+            <a:r>
+              <a:rPr lang="en-US" dirty="0" smtClean="0"/>
+              <a:t>Resources</a:t>
+            </a:r>
+            <a:endParaRPr lang="en-US" dirty="0"/>
+          </a:p>
+        </p:txBody>
+      </p:sp>
+      <p:sp>
+        <p:nvSpPr>
+          <p:cNvPr id="3" name="Content Placeholder 2"/>
+          <p:cNvSpPr>
+            <a:spLocks noGrp="1"/>
+          </p:cNvSpPr>
+          <p:nvPr>
+            <p:ph idx="1"/>
+          </p:nvPr>
+        </p:nvSpPr>
+        <p:spPr/>
+        <p:txBody>
+          <a:bodyPr/>
+          <a:lstStyle/>
+          <a:p>
+            <a:r>
+              <a:rPr lang="en-US" dirty="0">
+                <a:hlinkClick r:id="rId2"/>
+              </a:rPr>
+              <a:t>https://</a:t>
+            </a:r>
+            <a:r>
+              <a:rPr lang="en-US" dirty="0" smtClean="0">
+                <a:hlinkClick r:id="rId2"/>
+              </a:rPr>
+              <a:t>aspnet.codeplex.com/SourceControl/latest#Samples/AzureWebJobs/BasicSamples/HelloWorld</a:t>
+            </a:r>
+            <a:endParaRPr lang="en-US" dirty="0" smtClean="0"/>
+          </a:p>
+          <a:p>
+            <a:endParaRPr lang="en-US" dirty="0"/>
+          </a:p>
+        </p:txBody>
+      </p:sp>
+    </p:spTree>
+    <p:extLst>
+      <p:ext uri="{BB962C8B-B14F-4D97-AF65-F5344CB8AC3E}">
+        <p14:creationId xmlns:p14="http://schemas.microsoft.com/office/powerpoint/2010/main" val="1428059562"/>
+      </p:ext>
+    </p:extLst>
+  </p:cSld>
+  <p:clrMapOvr>
+    <a:masterClrMapping/>
+  </p:clrMapOvr>
+</p:sld>
+</file>
+
 <file path=ppt/slides/slide2.xml><?xml version="1.0" encoding="utf-8"?>
 <p:sld xmlns:a="http://schemas.openxmlformats.org/drawingml/2006/main" xmlns:r="http://schemas.openxmlformats.org/officeDocument/2006/relationships" xmlns:p="http://schemas.openxmlformats.org/presentationml/2006/main">
   <p:cSld>

--- a/asp.net-and-azure.pptx
+++ b/asp.net-and-azure.pptx
@@ -14,7 +14,8 @@
     <p:sldId id="259" r:id="rId8"/>
     <p:sldId id="260" r:id="rId9"/>
     <p:sldId id="261" r:id="rId10"/>
-    <p:sldId id="265" r:id="rId11"/>
+    <p:sldId id="267" r:id="rId11"/>
+    <p:sldId id="266" r:id="rId12"/>
   </p:sldIdLst>
   <p:sldSz cx="12192000" cy="6858000"/>
   <p:notesSz cx="6858000" cy="9144000"/>
@@ -3430,11 +3431,7 @@
           <a:p>
             <a:r>
               <a:rPr lang="en-US" dirty="0" smtClean="0"/>
-              <a:t>@</a:t>
-            </a:r>
-            <a:r>
-              <a:rPr lang="en-US" dirty="0" err="1" smtClean="0"/>
-              <a:t>SayedIHashimi</a:t>
+              <a:t>@SayedIHashimi</a:t>
             </a:r>
             <a:endParaRPr lang="en-US" dirty="0"/>
           </a:p>
@@ -3450,6 +3447,13 @@
   <p:clrMapOvr>
     <a:masterClrMapping/>
   </p:clrMapOvr>
+  <p:timing>
+    <p:tnLst>
+      <p:par>
+        <p:cTn id="1" dur="indefinite" restart="never" nodeType="tmRoot"/>
+      </p:par>
+    </p:tnLst>
+  </p:timing>
 </p:sld>
 </file>
 
@@ -3472,37 +3476,12 @@
       </p:grpSpPr>
       <p:sp>
         <p:nvSpPr>
-          <p:cNvPr id="2" name="Title 1"/>
-          <p:cNvSpPr>
-            <a:spLocks noGrp="1"/>
-          </p:cNvSpPr>
-          <p:nvPr>
-            <p:ph type="title"/>
-          </p:nvPr>
-        </p:nvSpPr>
-        <p:spPr/>
-        <p:txBody>
-          <a:bodyPr>
-            <a:normAutofit fontScale="90000"/>
-          </a:bodyPr>
-          <a:lstStyle/>
-          <a:p>
-            <a:r>
-              <a:rPr lang="en-US" dirty="0" smtClean="0"/>
-              <a:t>Resources</a:t>
-            </a:r>
-            <a:endParaRPr lang="en-US" dirty="0"/>
-          </a:p>
-        </p:txBody>
-      </p:sp>
-      <p:sp>
-        <p:nvSpPr>
-          <p:cNvPr id="3" name="Content Placeholder 2"/>
-          <p:cNvSpPr>
-            <a:spLocks noGrp="1"/>
-          </p:cNvSpPr>
-          <p:nvPr>
-            <p:ph idx="1"/>
+          <p:cNvPr id="4" name="Title 3"/>
+          <p:cNvSpPr>
+            <a:spLocks noGrp="1"/>
+          </p:cNvSpPr>
+          <p:nvPr>
+            <p:ph type="ctrTitle"/>
           </p:nvPr>
         </p:nvSpPr>
         <p:spPr/>
@@ -3511,34 +3490,286 @@
           <a:lstStyle/>
           <a:p>
             <a:r>
-              <a:rPr lang="en-US" dirty="0">
-                <a:hlinkClick r:id="rId2"/>
-              </a:rPr>
-              <a:t>https://</a:t>
-            </a:r>
-            <a:r>
-              <a:rPr lang="en-US" dirty="0" smtClean="0">
-                <a:hlinkClick r:id="rId2"/>
-              </a:rPr>
-              <a:t>aspnet.codeplex.com/SourceControl/latest#Samples/AzureWebJobs/BasicSamples/HelloWorld</a:t>
-            </a:r>
-            <a:endParaRPr lang="en-US" dirty="0" smtClean="0"/>
-          </a:p>
-          <a:p>
-            <a:endParaRPr lang="en-US" dirty="0"/>
+              <a:rPr lang="en-US" dirty="0" smtClean="0"/>
+              <a:t>Demo Time!</a:t>
+            </a:r>
+            <a:br>
+              <a:rPr lang="en-US" dirty="0" smtClean="0"/>
+            </a:br>
+            <a:r>
+              <a:rPr lang="en-US" dirty="0" smtClean="0"/>
+              <a:t/>
+            </a:r>
+            <a:br>
+              <a:rPr lang="en-US" dirty="0" smtClean="0"/>
+            </a:br>
+            <a:endParaRPr lang="en-US" dirty="0"/>
+          </a:p>
+        </p:txBody>
+      </p:sp>
+      <p:sp>
+        <p:nvSpPr>
+          <p:cNvPr id="5" name="Subtitle 4"/>
+          <p:cNvSpPr>
+            <a:spLocks noGrp="1"/>
+          </p:cNvSpPr>
+          <p:nvPr>
+            <p:ph type="subTitle" idx="1"/>
+          </p:nvPr>
+        </p:nvSpPr>
+        <p:spPr/>
+        <p:txBody>
+          <a:bodyPr/>
+          <a:lstStyle/>
+          <a:p>
+            <a:endParaRPr lang="en-US"/>
           </a:p>
         </p:txBody>
       </p:sp>
     </p:spTree>
     <p:extLst>
       <p:ext uri="{BB962C8B-B14F-4D97-AF65-F5344CB8AC3E}">
-        <p14:creationId xmlns:p14="http://schemas.microsoft.com/office/powerpoint/2010/main" val="1428059562"/>
+        <p14:creationId xmlns:p14="http://schemas.microsoft.com/office/powerpoint/2010/main" val="1779539400"/>
       </p:ext>
     </p:extLst>
   </p:cSld>
   <p:clrMapOvr>
     <a:masterClrMapping/>
   </p:clrMapOvr>
+</p:sld>
+</file>
+
+<file path=ppt/slides/slide11.xml><?xml version="1.0" encoding="utf-8"?>
+<p:sld xmlns:a="http://schemas.openxmlformats.org/drawingml/2006/main" xmlns:r="http://schemas.openxmlformats.org/officeDocument/2006/relationships" xmlns:p="http://schemas.openxmlformats.org/presentationml/2006/main">
+  <p:cSld>
+    <p:spTree>
+      <p:nvGrpSpPr>
+        <p:cNvPr id="1" name=""/>
+        <p:cNvGrpSpPr/>
+        <p:nvPr/>
+      </p:nvGrpSpPr>
+      <p:grpSpPr>
+        <a:xfrm>
+          <a:off x="0" y="0"/>
+          <a:ext cx="0" cy="0"/>
+          <a:chOff x="0" y="0"/>
+          <a:chExt cx="0" cy="0"/>
+        </a:xfrm>
+      </p:grpSpPr>
+      <p:sp>
+        <p:nvSpPr>
+          <p:cNvPr id="2" name="Title 1"/>
+          <p:cNvSpPr>
+            <a:spLocks noGrp="1"/>
+          </p:cNvSpPr>
+          <p:nvPr>
+            <p:ph type="title"/>
+          </p:nvPr>
+        </p:nvSpPr>
+        <p:spPr/>
+        <p:txBody>
+          <a:bodyPr>
+            <a:normAutofit fontScale="90000"/>
+          </a:bodyPr>
+          <a:lstStyle/>
+          <a:p>
+            <a:r>
+              <a:rPr lang="en-US" dirty="0" smtClean="0"/>
+              <a:t>Resources</a:t>
+            </a:r>
+            <a:endParaRPr lang="en-US" dirty="0"/>
+          </a:p>
+        </p:txBody>
+      </p:sp>
+      <p:sp>
+        <p:nvSpPr>
+          <p:cNvPr id="3" name="Content Placeholder 2"/>
+          <p:cNvSpPr>
+            <a:spLocks noGrp="1"/>
+          </p:cNvSpPr>
+          <p:nvPr>
+            <p:ph idx="1"/>
+          </p:nvPr>
+        </p:nvSpPr>
+        <p:spPr/>
+        <p:txBody>
+          <a:bodyPr>
+            <a:normAutofit/>
+          </a:bodyPr>
+          <a:lstStyle/>
+          <a:p>
+            <a:r>
+              <a:rPr lang="en-US" dirty="0" smtClean="0"/>
+              <a:t>Samples: </a:t>
+            </a:r>
+            <a:r>
+              <a:rPr lang="en-US" dirty="0" smtClean="0">
+                <a:hlinkClick r:id="rId2"/>
+              </a:rPr>
+              <a:t>https</a:t>
+            </a:r>
+            <a:r>
+              <a:rPr lang="en-US" dirty="0">
+                <a:hlinkClick r:id="rId2"/>
+              </a:rPr>
+              <a:t>://</a:t>
+            </a:r>
+            <a:r>
+              <a:rPr lang="en-US" dirty="0" smtClean="0">
+                <a:hlinkClick r:id="rId2"/>
+              </a:rPr>
+              <a:t>github.com/sayedihashimi/codeonthebeach2014</a:t>
+            </a:r>
+            <a:endParaRPr lang="en-US" dirty="0" smtClean="0"/>
+          </a:p>
+          <a:p>
+            <a:r>
+              <a:rPr lang="en-US" dirty="0" smtClean="0"/>
+              <a:t>Web Jobs Samples: </a:t>
+            </a:r>
+            <a:r>
+              <a:rPr lang="en-US" dirty="0" smtClean="0">
+                <a:hlinkClick r:id="rId3"/>
+              </a:rPr>
+              <a:t>https</a:t>
+            </a:r>
+            <a:r>
+              <a:rPr lang="en-US" dirty="0">
+                <a:hlinkClick r:id="rId3"/>
+              </a:rPr>
+              <a:t>://</a:t>
+            </a:r>
+            <a:r>
+              <a:rPr lang="en-US" dirty="0" smtClean="0">
+                <a:hlinkClick r:id="rId3"/>
+              </a:rPr>
+              <a:t>aspnet.codeplex.com/SourceControl/latest#Samples/AzureWebJobs/BasicSamples/HelloWorld</a:t>
+            </a:r>
+            <a:r>
+              <a:rPr lang="en-US" dirty="0" smtClean="0"/>
+              <a:t> </a:t>
+            </a:r>
+          </a:p>
+          <a:p>
+            <a:r>
+              <a:rPr lang="en-US" dirty="0"/>
+              <a:t>Web Jobs SDK: </a:t>
+            </a:r>
+            <a:r>
+              <a:rPr lang="en-US" dirty="0">
+                <a:hlinkClick r:id="rId4"/>
+              </a:rPr>
+              <a:t>http://azure.microsoft.com/en-us/documentation/articles/websites-dotnet-webjobs-sdk-get-started</a:t>
+            </a:r>
+            <a:r>
+              <a:rPr lang="en-US" dirty="0" smtClean="0">
+                <a:hlinkClick r:id="rId4"/>
+              </a:rPr>
+              <a:t>/</a:t>
+            </a:r>
+            <a:r>
+              <a:rPr lang="en-US" dirty="0" smtClean="0"/>
+              <a:t> </a:t>
+            </a:r>
+          </a:p>
+          <a:p>
+            <a:r>
+              <a:rPr lang="en-US" dirty="0" smtClean="0"/>
+              <a:t>AAD </a:t>
+            </a:r>
+            <a:r>
+              <a:rPr lang="en-US" dirty="0"/>
+              <a:t>Vittorio’s blog: </a:t>
+            </a:r>
+            <a:r>
+              <a:rPr lang="en-US" dirty="0">
+                <a:hlinkClick r:id="rId5"/>
+              </a:rPr>
+              <a:t>http://cloudidentity.com</a:t>
+            </a:r>
+            <a:r>
+              <a:rPr lang="en-US" dirty="0" smtClean="0">
+                <a:hlinkClick r:id="rId5"/>
+              </a:rPr>
+              <a:t>/</a:t>
+            </a:r>
+            <a:endParaRPr lang="en-US" dirty="0" smtClean="0"/>
+          </a:p>
+          <a:p>
+            <a:r>
+              <a:rPr lang="en-US" dirty="0" smtClean="0"/>
+              <a:t>Site extensions gallery</a:t>
+            </a:r>
+            <a:r>
+              <a:rPr lang="en-US" dirty="0"/>
+              <a:t>: </a:t>
+            </a:r>
+            <a:r>
+              <a:rPr lang="en-US" dirty="0">
+                <a:hlinkClick r:id="rId6"/>
+              </a:rPr>
+              <a:t>http://siteextensions.net</a:t>
+            </a:r>
+            <a:r>
+              <a:rPr lang="en-US" dirty="0" smtClean="0">
+                <a:hlinkClick r:id="rId6"/>
+              </a:rPr>
+              <a:t>/</a:t>
+            </a:r>
+            <a:endParaRPr lang="en-US" dirty="0" smtClean="0"/>
+          </a:p>
+          <a:p>
+            <a:endParaRPr lang="en-US" dirty="0" smtClean="0"/>
+          </a:p>
+          <a:p>
+            <a:pPr marL="0" indent="0">
+              <a:buNone/>
+            </a:pPr>
+            <a:r>
+              <a:rPr lang="en-US" u="sng" dirty="0" smtClean="0">
+                <a:latin typeface="Source Code Pro" panose="020B0509030403020204" pitchFamily="49" charset="0"/>
+              </a:rPr>
+              <a:t>Contact Info</a:t>
+            </a:r>
+          </a:p>
+          <a:p>
+            <a:r>
+              <a:rPr lang="en-US" dirty="0" smtClean="0">
+                <a:latin typeface="Source Code Pro" panose="020B0509030403020204" pitchFamily="49" charset="0"/>
+              </a:rPr>
+              <a:t>@SayedIHashimi</a:t>
+            </a:r>
+          </a:p>
+          <a:p>
+            <a:r>
+              <a:rPr lang="en-US" dirty="0" smtClean="0">
+                <a:latin typeface="Source Code Pro" panose="020B0509030403020204" pitchFamily="49" charset="0"/>
+              </a:rPr>
+              <a:t>SayedHa@Microsoft.com</a:t>
+            </a:r>
+            <a:endParaRPr lang="en-US" dirty="0">
+              <a:latin typeface="Source Code Pro" panose="020B0509030403020204" pitchFamily="49" charset="0"/>
+            </a:endParaRPr>
+          </a:p>
+        </p:txBody>
+      </p:sp>
+    </p:spTree>
+    <p:extLst>
+      <p:ext uri="{BB962C8B-B14F-4D97-AF65-F5344CB8AC3E}">
+        <p14:creationId xmlns:p14="http://schemas.microsoft.com/office/powerpoint/2010/main" val="731208855"/>
+      </p:ext>
+    </p:extLst>
+  </p:cSld>
+  <p:clrMapOvr>
+    <a:masterClrMapping/>
+  </p:clrMapOvr>
+  <p:timing>
+    <p:tnLst>
+      <p:par>
+        <p:cTn id="1" dur="indefinite" restart="never" nodeType="tmRoot"/>
+      </p:par>
+    </p:tnLst>
+  </p:timing>
 </p:sld>
 </file>
 
@@ -3597,7 +3828,7 @@
         <p:spPr/>
         <p:txBody>
           <a:bodyPr>
-            <a:normAutofit/>
+            <a:normAutofit lnSpcReduction="10000"/>
           </a:bodyPr>
           <a:lstStyle/>
           <a:p>
@@ -3649,8 +3880,20 @@
             <a:pPr lvl="1"/>
             <a:r>
               <a:rPr lang="en-US" sz="3000" dirty="0" smtClean="0"/>
-              <a:t>Site Extensions</a:t>
-            </a:r>
+              <a:t>Site </a:t>
+            </a:r>
+            <a:r>
+              <a:rPr lang="en-US" sz="3000" dirty="0" smtClean="0"/>
+              <a:t>Extensions</a:t>
+            </a:r>
+          </a:p>
+          <a:p>
+            <a:pPr lvl="1"/>
+            <a:r>
+              <a:rPr lang="en-US" sz="3000" dirty="0" smtClean="0"/>
+              <a:t>Visual Studio Integration</a:t>
+            </a:r>
+            <a:endParaRPr lang="en-US" sz="3000" dirty="0" smtClean="0"/>
           </a:p>
         </p:txBody>
       </p:sp>
@@ -3664,6 +3907,13 @@
   <p:clrMapOvr>
     <a:masterClrMapping/>
   </p:clrMapOvr>
+  <p:timing>
+    <p:tnLst>
+      <p:par>
+        <p:cTn id="1" dur="indefinite" restart="never" nodeType="tmRoot"/>
+      </p:par>
+    </p:tnLst>
+  </p:timing>
 </p:sld>
 </file>
 
@@ -3922,6 +4172,13 @@
   <p:clrMapOvr>
     <a:masterClrMapping/>
   </p:clrMapOvr>
+  <p:timing>
+    <p:tnLst>
+      <p:par>
+        <p:cTn id="1" dur="indefinite" restart="never" nodeType="tmRoot"/>
+      </p:par>
+    </p:tnLst>
+  </p:timing>
 </p:sld>
 </file>
 
@@ -4015,6 +4272,13 @@
   <p:clrMapOvr>
     <a:masterClrMapping/>
   </p:clrMapOvr>
+  <p:timing>
+    <p:tnLst>
+      <p:par>
+        <p:cTn id="1" dur="indefinite" restart="never" nodeType="tmRoot"/>
+      </p:par>
+    </p:tnLst>
+  </p:timing>
 </p:sld>
 </file>
 
@@ -4042,32 +4306,36 @@
             <a:spLocks noGrp="1"/>
           </p:cNvSpPr>
           <p:nvPr>
-            <p:ph type="title"/>
+            <p:ph type="ctrTitle"/>
           </p:nvPr>
         </p:nvSpPr>
         <p:spPr/>
         <p:txBody>
           <a:bodyPr>
-            <a:normAutofit fontScale="90000"/>
+            <a:normAutofit/>
           </a:bodyPr>
           <a:lstStyle/>
           <a:p>
             <a:r>
               <a:rPr lang="en-US" dirty="0" smtClean="0"/>
-              <a:t>Overview of Azure</a:t>
-            </a:r>
-            <a:endParaRPr lang="en-US" dirty="0"/>
-          </a:p>
-        </p:txBody>
-      </p:sp>
-      <p:sp>
-        <p:nvSpPr>
-          <p:cNvPr id="3" name="Content Placeholder 2"/>
-          <p:cNvSpPr>
-            <a:spLocks noGrp="1"/>
-          </p:cNvSpPr>
-          <p:nvPr>
-            <p:ph idx="1"/>
+              <a:t>Brief Overview of </a:t>
+            </a:r>
+            <a:r>
+              <a:rPr lang="en-US" dirty="0" smtClean="0"/>
+              <a:t>Azure</a:t>
+            </a:r>
+            <a:endParaRPr lang="en-US" dirty="0"/>
+          </a:p>
+        </p:txBody>
+      </p:sp>
+      <p:sp>
+        <p:nvSpPr>
+          <p:cNvPr id="5" name="Subtitle 4"/>
+          <p:cNvSpPr>
+            <a:spLocks noGrp="1"/>
+          </p:cNvSpPr>
+          <p:nvPr>
+            <p:ph type="subTitle" idx="1"/>
           </p:nvPr>
         </p:nvSpPr>
         <p:spPr/>
@@ -4075,49 +4343,7 @@
           <a:bodyPr/>
           <a:lstStyle/>
           <a:p>
-            <a:r>
-              <a:rPr lang="en-US" dirty="0"/>
-              <a:t>	</a:t>
-            </a:r>
-            <a:r>
-              <a:rPr lang="en-US" dirty="0">
-                <a:hlinkClick r:id="rId2"/>
-              </a:rPr>
-              <a:t>http://</a:t>
-            </a:r>
-            <a:r>
-              <a:rPr lang="en-US" dirty="0" smtClean="0">
-                <a:hlinkClick r:id="rId2"/>
-              </a:rPr>
-              <a:t>msdn.microsoft.com/en-us/library/azure/dd163896.aspx</a:t>
-            </a:r>
-            <a:r>
-              <a:rPr lang="en-US" dirty="0" smtClean="0"/>
-              <a:t> </a:t>
-            </a:r>
-            <a:endParaRPr lang="en-US" dirty="0"/>
-          </a:p>
-          <a:p>
-            <a:r>
-              <a:rPr lang="en-US" dirty="0"/>
-              <a:t>	</a:t>
-            </a:r>
-            <a:r>
-              <a:rPr lang="en-US" dirty="0">
-                <a:hlinkClick r:id="rId3"/>
-              </a:rPr>
-              <a:t>http://azure.microsoft.com/en-us/documentation/infographics/azure</a:t>
-            </a:r>
-            <a:r>
-              <a:rPr lang="en-US" dirty="0" smtClean="0">
-                <a:hlinkClick r:id="rId3"/>
-              </a:rPr>
-              <a:t>/</a:t>
-            </a:r>
-            <a:endParaRPr lang="en-US" dirty="0" smtClean="0"/>
-          </a:p>
-          <a:p>
-            <a:endParaRPr lang="en-US" dirty="0"/>
+            <a:endParaRPr lang="en-US"/>
           </a:p>
         </p:txBody>
       </p:sp>
@@ -6230,14 +6456,11 @@
           <a:p>
             <a:r>
               <a:rPr lang="en-US" dirty="0" smtClean="0"/>
-              <a:t>Demo:</a:t>
-            </a:r>
-            <a:br>
+              <a:t>Azure </a:t>
+            </a:r>
+            <a:r>
               <a:rPr lang="en-US" dirty="0" smtClean="0"/>
-            </a:br>
-            <a:r>
-              <a:rPr lang="en-US" dirty="0" smtClean="0"/>
-              <a:t>Azure Active Directory</a:t>
+              <a:t>Active Directory</a:t>
             </a:r>
             <a:endParaRPr lang="en-US" dirty="0"/>
           </a:p>
@@ -6272,6 +6495,13 @@
   <p:clrMapOvr>
     <a:masterClrMapping/>
   </p:clrMapOvr>
+  <p:timing>
+    <p:tnLst>
+      <p:par>
+        <p:cTn id="1" dur="indefinite" restart="never" nodeType="tmRoot"/>
+      </p:par>
+    </p:tnLst>
+  </p:timing>
 </p:sld>
 </file>
 
@@ -6411,6 +6641,13 @@
   <p:clrMapOvr>
     <a:masterClrMapping/>
   </p:clrMapOvr>
+  <p:timing>
+    <p:tnLst>
+      <p:par>
+        <p:cTn id="1" dur="indefinite" restart="never" nodeType="tmRoot"/>
+      </p:par>
+    </p:tnLst>
+  </p:timing>
 </p:sld>
 </file>
 
